--- a/条件分岐/条件分岐５.pptx
+++ b/条件分岐/条件分岐５.pptx
@@ -302,7 +302,7 @@
           <a:p>
             <a:fld id="{BCA346BF-520C-8945-8905-F8B705749369}" type="datetimeFigureOut">
               <a:rPr kumimoji="1" lang="ja-JP" altLang="en-US" smtClean="0"/>
-              <a:t>2019/11/25</a:t>
+              <a:t>2019/11/28</a:t>
             </a:fld>
             <a:endParaRPr kumimoji="1" lang="ja-JP" altLang="en-US"/>
           </a:p>
@@ -502,7 +502,7 @@
           <a:p>
             <a:fld id="{BCA346BF-520C-8945-8905-F8B705749369}" type="datetimeFigureOut">
               <a:rPr kumimoji="1" lang="ja-JP" altLang="en-US" smtClean="0"/>
-              <a:t>2019/11/25</a:t>
+              <a:t>2019/11/28</a:t>
             </a:fld>
             <a:endParaRPr kumimoji="1" lang="ja-JP" altLang="en-US"/>
           </a:p>
@@ -712,7 +712,7 @@
           <a:p>
             <a:fld id="{BCA346BF-520C-8945-8905-F8B705749369}" type="datetimeFigureOut">
               <a:rPr kumimoji="1" lang="ja-JP" altLang="en-US" smtClean="0"/>
-              <a:t>2019/11/25</a:t>
+              <a:t>2019/11/28</a:t>
             </a:fld>
             <a:endParaRPr kumimoji="1" lang="ja-JP" altLang="en-US"/>
           </a:p>
@@ -912,7 +912,7 @@
           <a:p>
             <a:fld id="{BCA346BF-520C-8945-8905-F8B705749369}" type="datetimeFigureOut">
               <a:rPr kumimoji="1" lang="ja-JP" altLang="en-US" smtClean="0"/>
-              <a:t>2019/11/25</a:t>
+              <a:t>2019/11/28</a:t>
             </a:fld>
             <a:endParaRPr kumimoji="1" lang="ja-JP" altLang="en-US"/>
           </a:p>
@@ -1157,7 +1157,7 @@
           <a:p>
             <a:fld id="{BCA346BF-520C-8945-8905-F8B705749369}" type="datetimeFigureOut">
               <a:rPr kumimoji="1" lang="ja-JP" altLang="en-US" smtClean="0"/>
-              <a:t>2019/11/25</a:t>
+              <a:t>2019/11/28</a:t>
             </a:fld>
             <a:endParaRPr kumimoji="1" lang="ja-JP" altLang="en-US"/>
           </a:p>
@@ -1506,7 +1506,7 @@
           <a:p>
             <a:fld id="{BCA346BF-520C-8945-8905-F8B705749369}" type="datetimeFigureOut">
               <a:rPr kumimoji="1" lang="ja-JP" altLang="en-US" smtClean="0"/>
-              <a:t>2019/11/25</a:t>
+              <a:t>2019/11/28</a:t>
             </a:fld>
             <a:endParaRPr kumimoji="1" lang="ja-JP" altLang="en-US"/>
           </a:p>
@@ -1989,7 +1989,7 @@
           <a:p>
             <a:fld id="{BCA346BF-520C-8945-8905-F8B705749369}" type="datetimeFigureOut">
               <a:rPr kumimoji="1" lang="ja-JP" altLang="en-US" smtClean="0"/>
-              <a:t>2019/11/25</a:t>
+              <a:t>2019/11/28</a:t>
             </a:fld>
             <a:endParaRPr kumimoji="1" lang="ja-JP" altLang="en-US"/>
           </a:p>
@@ -2106,7 +2106,7 @@
           <a:p>
             <a:fld id="{BCA346BF-520C-8945-8905-F8B705749369}" type="datetimeFigureOut">
               <a:rPr kumimoji="1" lang="ja-JP" altLang="en-US" smtClean="0"/>
-              <a:t>2019/11/25</a:t>
+              <a:t>2019/11/28</a:t>
             </a:fld>
             <a:endParaRPr kumimoji="1" lang="ja-JP" altLang="en-US"/>
           </a:p>
@@ -2201,7 +2201,7 @@
           <a:p>
             <a:fld id="{BCA346BF-520C-8945-8905-F8B705749369}" type="datetimeFigureOut">
               <a:rPr kumimoji="1" lang="ja-JP" altLang="en-US" smtClean="0"/>
-              <a:t>2019/11/25</a:t>
+              <a:t>2019/11/28</a:t>
             </a:fld>
             <a:endParaRPr kumimoji="1" lang="ja-JP" altLang="en-US"/>
           </a:p>
@@ -2508,7 +2508,7 @@
           <a:p>
             <a:fld id="{BCA346BF-520C-8945-8905-F8B705749369}" type="datetimeFigureOut">
               <a:rPr kumimoji="1" lang="ja-JP" altLang="en-US" smtClean="0"/>
-              <a:t>2019/11/25</a:t>
+              <a:t>2019/11/28</a:t>
             </a:fld>
             <a:endParaRPr kumimoji="1" lang="ja-JP" altLang="en-US"/>
           </a:p>
@@ -2763,7 +2763,7 @@
           <a:p>
             <a:fld id="{BCA346BF-520C-8945-8905-F8B705749369}" type="datetimeFigureOut">
               <a:rPr kumimoji="1" lang="ja-JP" altLang="en-US" smtClean="0"/>
-              <a:t>2019/11/25</a:t>
+              <a:t>2019/11/28</a:t>
             </a:fld>
             <a:endParaRPr kumimoji="1" lang="ja-JP" altLang="en-US"/>
           </a:p>
@@ -3006,7 +3006,7 @@
           <a:p>
             <a:fld id="{BCA346BF-520C-8945-8905-F8B705749369}" type="datetimeFigureOut">
               <a:rPr kumimoji="1" lang="ja-JP" altLang="en-US" smtClean="0"/>
-              <a:t>2019/11/25</a:t>
+              <a:t>2019/11/28</a:t>
             </a:fld>
             <a:endParaRPr kumimoji="1" lang="ja-JP" altLang="en-US"/>
           </a:p>
@@ -3395,7 +3395,7 @@
         </p:nvSpPr>
         <p:spPr>
           <a:xfrm>
-            <a:off x="0" y="0"/>
+            <a:off x="0" y="16365"/>
             <a:ext cx="9144000" cy="5715000"/>
           </a:xfrm>
           <a:prstGeom prst="rect">
@@ -3584,8 +3584,8 @@
         </p:nvSpPr>
         <p:spPr>
           <a:xfrm>
-            <a:off x="257060" y="1498476"/>
-            <a:ext cx="3167150" cy="2674890"/>
+            <a:off x="257058" y="1454728"/>
+            <a:ext cx="3254198" cy="2768138"/>
           </a:xfrm>
           <a:prstGeom prst="rect">
             <a:avLst/>
@@ -3954,7 +3954,7 @@
         </p:nvSpPr>
         <p:spPr>
           <a:xfrm>
-            <a:off x="4164938" y="2874653"/>
+            <a:off x="4175874" y="2870765"/>
             <a:ext cx="4871261" cy="2585323"/>
           </a:xfrm>
           <a:prstGeom prst="rect">
@@ -3974,7 +3974,7 @@
                 <a:ea typeface="ヒラギノ角ゴ ProN W3"/>
                 <a:cs typeface="ヒラギノ角ゴ ProN W3"/>
               </a:rPr>
-              <a:t>今回は　　　</a:t>
+              <a:t>　　　</a:t>
             </a:r>
             <a:r>
               <a:rPr lang="en-US" altLang="ja-JP" dirty="0">
@@ -3982,7 +3982,7 @@
                 <a:ea typeface="ヒラギノ角ゴ ProN W3"/>
                 <a:cs typeface="ヒラギノ角ゴ ProN W3"/>
               </a:rPr>
-              <a:t>  </a:t>
+              <a:t> </a:t>
             </a:r>
             <a:r>
               <a:rPr lang="ja-JP" altLang="en-US">
@@ -3990,7 +3990,39 @@
                 <a:ea typeface="ヒラギノ角ゴ ProN W3"/>
                 <a:cs typeface="ヒラギノ角ゴ ProN W3"/>
               </a:rPr>
-              <a:t>で先に条件を指定し、</a:t>
+              <a:t>で条件を「</a:t>
+            </a:r>
+            <a:r>
+              <a:rPr lang="en-US" altLang="ja-JP" dirty="0">
+                <a:latin typeface="ヒラギノ角ゴ ProN W3"/>
+                <a:ea typeface="ヒラギノ角ゴ ProN W3"/>
+                <a:cs typeface="ヒラギノ角ゴ ProN W3"/>
+              </a:rPr>
+              <a:t>x</a:t>
+            </a:r>
+            <a:r>
+              <a:rPr lang="ja-JP" altLang="en-US">
+                <a:latin typeface="ヒラギノ角ゴ ProN W3"/>
+                <a:ea typeface="ヒラギノ角ゴ ProN W3"/>
+                <a:cs typeface="ヒラギノ角ゴ ProN W3"/>
+              </a:rPr>
+              <a:t>座標が</a:t>
+            </a:r>
+            <a:r>
+              <a:rPr lang="en-US" altLang="ja-JP" dirty="0">
+                <a:latin typeface="ヒラギノ角ゴ ProN W3"/>
+                <a:ea typeface="ヒラギノ角ゴ ProN W3"/>
+                <a:cs typeface="ヒラギノ角ゴ ProN W3"/>
+              </a:rPr>
+              <a:t>0</a:t>
+            </a:r>
+            <a:r>
+              <a:rPr lang="ja-JP" altLang="en-US">
+                <a:latin typeface="ヒラギノ角ゴ ProN W3"/>
+                <a:ea typeface="ヒラギノ角ゴ ProN W3"/>
+                <a:cs typeface="ヒラギノ角ゴ ProN W3"/>
+              </a:rPr>
+              <a:t>より大きいこと」と定義して、条件を満たした場合に</a:t>
             </a:r>
             <a:endParaRPr lang="en-US" altLang="ja-JP" dirty="0">
               <a:latin typeface="ヒラギノ角ゴ ProN W3"/>
@@ -4000,15 +4032,15 @@
           </a:p>
           <a:p>
             <a:r>
-              <a:rPr kumimoji="1" lang="ja-JP" altLang="en-US">
+              <a:rPr lang="ja-JP" altLang="en-US">
                 <a:latin typeface="ヒラギノ角ゴ ProN W3"/>
                 <a:ea typeface="ヒラギノ角ゴ ProN W3"/>
                 <a:cs typeface="ヒラギノ角ゴ ProN W3"/>
               </a:rPr>
-              <a:t>　　　</a:t>
-            </a:r>
-            <a:r>
-              <a:rPr kumimoji="1" lang="en-US" altLang="ja-JP" dirty="0">
+              <a:t>行う処理を　　　</a:t>
+            </a:r>
+            <a:r>
+              <a:rPr lang="en-US" altLang="ja-JP" dirty="0">
                 <a:latin typeface="ヒラギノ角ゴ ProN W3"/>
                 <a:ea typeface="ヒラギノ角ゴ ProN W3"/>
                 <a:cs typeface="ヒラギノ角ゴ ProN W3"/>
@@ -4016,43 +4048,12 @@
               <a:t> </a:t>
             </a:r>
             <a:r>
-              <a:rPr kumimoji="1" lang="ja-JP" altLang="en-US">
-                <a:latin typeface="ヒラギノ角ゴ ProN W3"/>
-                <a:ea typeface="ヒラギノ角ゴ ProN W3"/>
-                <a:cs typeface="ヒラギノ角ゴ ProN W3"/>
-              </a:rPr>
-              <a:t>でループ処理を行わせるプログラムでしたが、</a:t>
-            </a:r>
-            <a:r>
-              <a:rPr kumimoji="1" lang="en-US" altLang="ja-JP" dirty="0">
-                <a:latin typeface="ヒラギノ角ゴ ProN W3"/>
-                <a:ea typeface="ヒラギノ角ゴ ProN W3"/>
-                <a:cs typeface="ヒラギノ角ゴ ProN W3"/>
-              </a:rPr>
-              <a:t>         </a:t>
-            </a:r>
-            <a:r>
-              <a:rPr kumimoji="1" lang="ja-JP" altLang="en-US">
-                <a:latin typeface="ヒラギノ角ゴ ProN W3"/>
-                <a:ea typeface="ヒラギノ角ゴ ProN W3"/>
-                <a:cs typeface="ヒラギノ角ゴ ProN W3"/>
-              </a:rPr>
-              <a:t>などのブロックでループを</a:t>
-            </a:r>
-            <a:endParaRPr kumimoji="1" lang="en-US" altLang="ja-JP" dirty="0">
-              <a:latin typeface="ヒラギノ角ゴ ProN W3"/>
-              <a:ea typeface="ヒラギノ角ゴ ProN W3"/>
-              <a:cs typeface="ヒラギノ角ゴ ProN W3"/>
-            </a:endParaRPr>
-          </a:p>
-          <a:p>
-            <a:r>
               <a:rPr lang="ja-JP" altLang="en-US">
                 <a:latin typeface="ヒラギノ角ゴ ProN W3"/>
                 <a:ea typeface="ヒラギノ角ゴ ProN W3"/>
                 <a:cs typeface="ヒラギノ角ゴ ProN W3"/>
               </a:rPr>
-              <a:t>行わせている最中に　　　　で定義した条件を満たしたときに特定の処理を行わせる、と</a:t>
+              <a:t>で囲うことで、</a:t>
             </a:r>
             <a:endParaRPr lang="en-US" altLang="ja-JP" dirty="0">
               <a:latin typeface="ヒラギノ角ゴ ProN W3"/>
@@ -4067,7 +4068,7 @@
                 <a:ea typeface="ヒラギノ角ゴ ProN W3"/>
                 <a:cs typeface="ヒラギノ角ゴ ProN W3"/>
               </a:rPr>
-              <a:t>いったことも可能です。</a:t>
+              <a:t>条件を満たした場合、ループを行う</a:t>
             </a:r>
             <a:endParaRPr lang="en-US" altLang="ja-JP" dirty="0">
               <a:latin typeface="ヒラギノ角ゴ ProN W3"/>
@@ -4082,7 +4083,7 @@
                 <a:ea typeface="ヒラギノ角ゴ ProN W3"/>
                 <a:cs typeface="ヒラギノ角ゴ ProN W3"/>
               </a:rPr>
-              <a:t>ループ最中に条件を満たした場合の問題と解説も用意しておりますので、</a:t>
+              <a:t>プログラムが完成します。</a:t>
             </a:r>
             <a:endParaRPr lang="en-US" altLang="ja-JP" dirty="0">
               <a:latin typeface="ヒラギノ角ゴ ProN W3"/>
@@ -4091,13 +4092,35 @@
             </a:endParaRPr>
           </a:p>
           <a:p>
+            <a:endParaRPr lang="en-US" altLang="ja-JP" dirty="0">
+              <a:latin typeface="ヒラギノ角ゴ ProN W3"/>
+              <a:ea typeface="ヒラギノ角ゴ ProN W3"/>
+              <a:cs typeface="ヒラギノ角ゴ ProN W3"/>
+            </a:endParaRPr>
+          </a:p>
+          <a:p>
             <a:r>
               <a:rPr lang="ja-JP" altLang="en-US">
                 <a:latin typeface="ヒラギノ角ゴ ProN W3"/>
                 <a:ea typeface="ヒラギノ角ゴ ProN W3"/>
                 <a:cs typeface="ヒラギノ角ゴ ProN W3"/>
               </a:rPr>
-              <a:t>是非一度閲覧してみてください。</a:t>
+              <a:t>スプライトをマウスで移動させて、座標を変えてながら実行することで動作するか、</a:t>
+            </a:r>
+            <a:endParaRPr lang="en-US" altLang="ja-JP" dirty="0">
+              <a:latin typeface="ヒラギノ角ゴ ProN W3"/>
+              <a:ea typeface="ヒラギノ角ゴ ProN W3"/>
+              <a:cs typeface="ヒラギノ角ゴ ProN W3"/>
+            </a:endParaRPr>
+          </a:p>
+          <a:p>
+            <a:r>
+              <a:rPr lang="ja-JP" altLang="en-US">
+                <a:latin typeface="ヒラギノ角ゴ ProN W3"/>
+                <a:ea typeface="ヒラギノ角ゴ ProN W3"/>
+                <a:cs typeface="ヒラギノ角ゴ ProN W3"/>
+              </a:rPr>
+              <a:t>しないかを実際に確認してみてください。</a:t>
             </a:r>
             <a:endParaRPr lang="en-US" altLang="ja-JP" dirty="0">
               <a:latin typeface="ヒラギノ角ゴ ProN W3"/>
@@ -4141,22 +4164,62 @@
                 <a:ea typeface="ヒラギノ角ゴ ProN W3"/>
                 <a:cs typeface="ヒラギノ角ゴ ProN W3"/>
               </a:rPr>
-              <a:t>今回のプログラムはマウスが押されたとき、</a:t>
-            </a:r>
-            <a:endParaRPr kumimoji="1" lang="en-US" altLang="ja-JP" dirty="0">
-              <a:latin typeface="ヒラギノ角ゴ ProN W3"/>
-              <a:ea typeface="ヒラギノ角ゴ ProN W3"/>
-              <a:cs typeface="ヒラギノ角ゴ ProN W3"/>
-            </a:endParaRPr>
-          </a:p>
-          <a:p>
+              <a:t>今回のプログラムは</a:t>
+            </a:r>
             <a:r>
               <a:rPr lang="ja-JP" altLang="en-US">
                 <a:latin typeface="ヒラギノ角ゴ ProN W3"/>
                 <a:ea typeface="ヒラギノ角ゴ ProN W3"/>
                 <a:cs typeface="ヒラギノ角ゴ ProN W3"/>
               </a:rPr>
-              <a:t>ずっと</a:t>
+              <a:t>スプライトの</a:t>
+            </a:r>
+            <a:r>
+              <a:rPr lang="en-US" altLang="ja-JP" dirty="0">
+                <a:latin typeface="ヒラギノ角ゴ ProN W3"/>
+                <a:ea typeface="ヒラギノ角ゴ ProN W3"/>
+                <a:cs typeface="ヒラギノ角ゴ ProN W3"/>
+              </a:rPr>
+              <a:t>x</a:t>
+            </a:r>
+            <a:r>
+              <a:rPr lang="ja-JP" altLang="en-US">
+                <a:latin typeface="ヒラギノ角ゴ ProN W3"/>
+                <a:ea typeface="ヒラギノ角ゴ ProN W3"/>
+                <a:cs typeface="ヒラギノ角ゴ ProN W3"/>
+              </a:rPr>
+              <a:t>座標が</a:t>
+            </a:r>
+            <a:endParaRPr lang="en-US" altLang="ja-JP" dirty="0">
+              <a:latin typeface="ヒラギノ角ゴ ProN W3"/>
+              <a:ea typeface="ヒラギノ角ゴ ProN W3"/>
+              <a:cs typeface="ヒラギノ角ゴ ProN W3"/>
+            </a:endParaRPr>
+          </a:p>
+          <a:p>
+            <a:r>
+              <a:rPr kumimoji="1" lang="en-US" altLang="ja-JP" dirty="0">
+                <a:latin typeface="ヒラギノ角ゴ ProN W3"/>
+                <a:ea typeface="ヒラギノ角ゴ ProN W3"/>
+                <a:cs typeface="ヒラギノ角ゴ ProN W3"/>
+              </a:rPr>
+              <a:t>0</a:t>
+            </a:r>
+            <a:r>
+              <a:rPr kumimoji="1" lang="ja-JP" altLang="en-US">
+                <a:latin typeface="ヒラギノ角ゴ ProN W3"/>
+                <a:ea typeface="ヒラギノ角ゴ ProN W3"/>
+                <a:cs typeface="ヒラギノ角ゴ ProN W3"/>
+              </a:rPr>
+              <a:t>より大きいのであれば</a:t>
+            </a:r>
+            <a:r>
+              <a:rPr lang="ja-JP" altLang="en-US">
+                <a:latin typeface="ヒラギノ角ゴ ProN W3"/>
+                <a:ea typeface="ヒラギノ角ゴ ProN W3"/>
+                <a:cs typeface="ヒラギノ角ゴ ProN W3"/>
+              </a:rPr>
+              <a:t>、ずっと</a:t>
             </a:r>
             <a:r>
               <a:rPr lang="en-US" altLang="ja-JP" dirty="0">
@@ -4182,36 +4245,6 @@
           </a:p>
         </p:txBody>
       </p:sp>
-      <p:pic>
-        <p:nvPicPr>
-          <p:cNvPr id="62" name="図 61">
-            <a:extLst>
-              <a:ext uri="{FF2B5EF4-FFF2-40B4-BE49-F238E27FC236}">
-                <a16:creationId xmlns:a16="http://schemas.microsoft.com/office/drawing/2014/main" id="{6AD674EF-45F7-9844-A6C0-1AFA8E8F9776}"/>
-              </a:ext>
-            </a:extLst>
-          </p:cNvPr>
-          <p:cNvPicPr>
-            <a:picLocks noChangeAspect="1"/>
-          </p:cNvPicPr>
-          <p:nvPr/>
-        </p:nvPicPr>
-        <p:blipFill>
-          <a:blip r:embed="rId3"/>
-          <a:stretch>
-            <a:fillRect/>
-          </a:stretch>
-        </p:blipFill>
-        <p:spPr>
-          <a:xfrm>
-            <a:off x="344957" y="1587496"/>
-            <a:ext cx="2991356" cy="2496850"/>
-          </a:xfrm>
-          <a:prstGeom prst="rect">
-            <a:avLst/>
-          </a:prstGeom>
-        </p:spPr>
-      </p:pic>
       <p:pic>
         <p:nvPicPr>
           <p:cNvPr id="64" name="図 63">
@@ -4227,7 +4260,7 @@
           <p:nvPr/>
         </p:nvPicPr>
         <p:blipFill>
-          <a:blip r:embed="rId4"/>
+          <a:blip r:embed="rId3"/>
           <a:stretch>
             <a:fillRect/>
           </a:stretch>
@@ -4264,7 +4297,7 @@
         </p:blipFill>
         <p:spPr>
           <a:xfrm>
-            <a:off x="4950605" y="2916256"/>
+            <a:off x="4250690" y="2905015"/>
             <a:ext cx="783301" cy="284207"/>
           </a:xfrm>
           <a:prstGeom prst="rect">
@@ -4274,10 +4307,10 @@
       </p:pic>
       <p:pic>
         <p:nvPicPr>
-          <p:cNvPr id="68" name="図 67">
+          <p:cNvPr id="6" name="図 5" descr="記号 が含まれている画像&#10;&#10;自動的に生成された説明">
             <a:extLst>
               <a:ext uri="{FF2B5EF4-FFF2-40B4-BE49-F238E27FC236}">
-                <a16:creationId xmlns:a16="http://schemas.microsoft.com/office/drawing/2014/main" id="{94D02D86-056D-2C49-97FF-6ED2F27BBE40}"/>
+                <a16:creationId xmlns:a16="http://schemas.microsoft.com/office/drawing/2014/main" id="{FB1D6267-D518-C846-9656-8793E408C22E}"/>
               </a:ext>
             </a:extLst>
           </p:cNvPr>
@@ -4294,8 +4327,8 @@
         </p:blipFill>
         <p:spPr>
           <a:xfrm>
-            <a:off x="4292384" y="3232601"/>
-            <a:ext cx="699914" cy="258527"/>
+            <a:off x="374434" y="1568114"/>
+            <a:ext cx="3019445" cy="2541366"/>
           </a:xfrm>
           <a:prstGeom prst="rect">
             <a:avLst/>
@@ -4304,10 +4337,10 @@
       </p:pic>
       <p:pic>
         <p:nvPicPr>
-          <p:cNvPr id="69" name="図 68">
+          <p:cNvPr id="8" name="図 7">
             <a:extLst>
               <a:ext uri="{FF2B5EF4-FFF2-40B4-BE49-F238E27FC236}">
-                <a16:creationId xmlns:a16="http://schemas.microsoft.com/office/drawing/2014/main" id="{F279B85D-178A-BA4B-A590-60C506F40BC0}"/>
+                <a16:creationId xmlns:a16="http://schemas.microsoft.com/office/drawing/2014/main" id="{4A434F8A-0BEB-7C47-BEC9-1C61DC3E3409}"/>
               </a:ext>
             </a:extLst>
           </p:cNvPr>
@@ -4317,45 +4350,15 @@
           <p:nvPr/>
         </p:nvPicPr>
         <p:blipFill>
-          <a:blip r:embed="rId4"/>
+          <a:blip r:embed="rId5"/>
           <a:stretch>
             <a:fillRect/>
           </a:stretch>
         </p:blipFill>
         <p:spPr>
           <a:xfrm>
-            <a:off x="5091915" y="3484946"/>
-            <a:ext cx="699914" cy="258527"/>
-          </a:xfrm>
-          <a:prstGeom prst="rect">
-            <a:avLst/>
-          </a:prstGeom>
-        </p:spPr>
-      </p:pic>
-      <p:pic>
-        <p:nvPicPr>
-          <p:cNvPr id="70" name="図 69">
-            <a:extLst>
-              <a:ext uri="{FF2B5EF4-FFF2-40B4-BE49-F238E27FC236}">
-                <a16:creationId xmlns:a16="http://schemas.microsoft.com/office/drawing/2014/main" id="{6B9EDA14-903B-574F-B000-FE9CAD9D503A}"/>
-              </a:ext>
-            </a:extLst>
-          </p:cNvPr>
-          <p:cNvPicPr>
-            <a:picLocks noChangeAspect="1"/>
-          </p:cNvPicPr>
-          <p:nvPr/>
-        </p:nvPicPr>
-        <p:blipFill>
-          <a:blip r:embed="rId2"/>
-          <a:stretch>
-            <a:fillRect/>
-          </a:stretch>
-        </p:blipFill>
-        <p:spPr>
-          <a:xfrm>
-            <a:off x="6402364" y="3734922"/>
-            <a:ext cx="783301" cy="284207"/>
+            <a:off x="5472891" y="3470929"/>
+            <a:ext cx="676881" cy="256964"/>
           </a:xfrm>
           <a:prstGeom prst="rect">
             <a:avLst/>
